--- a/ kinect-virtual-world --username c.c.williams55@gmail.com/Final Presentation/Angry_Prims_Final_Proposal.pptx
+++ b/ kinect-virtual-world --username c.c.williams55@gmail.com/Final Presentation/Angry_Prims_Final_Proposal.pptx
@@ -120,7 +120,7 @@
   </p:defaultTextStyle>
   <p:extLst>
     <p:ext uri="{521415D9-36F7-43E2-AB2F-B90AF26B5E84}">
-      <p14:sectionLst xmlns:p14="http://schemas.microsoft.com/office/powerpoint/2010/main">
+      <p14:sectionLst xmlns:p14="http://schemas.microsoft.com/office/powerpoint/2010/main" xmlns="">
         <p14:section name="Default Section" id="{992832F5-EA01-48E5-B403-87E193F50680}">
           <p14:sldIdLst>
             <p14:sldId id="259"/>
@@ -1013,15 +1013,7 @@
           </a:r>
           <a:r>
             <a:rPr lang="en-US" sz="1300" b="1" spc="-10" baseline="0" dirty="0" smtClean="0"/>
-            <a:t> </a:t>
-          </a:r>
-          <a:r>
-            <a:rPr lang="en-US" sz="1300" b="1" spc="-10" baseline="0" dirty="0" smtClean="0"/>
-            <a:t>Client, Speech </a:t>
-          </a:r>
-          <a:r>
-            <a:rPr lang="en-US" sz="1300" b="1" spc="-10" baseline="0" dirty="0" smtClean="0"/>
-            <a:t>and Gestures</a:t>
+            <a:t> Client, Speech and Gestures</a:t>
           </a:r>
           <a:endParaRPr lang="en-US" sz="1300" b="1" spc="-10" baseline="0" dirty="0"/>
         </a:p>
@@ -1382,29 +1374,29 @@
     </dgm:pt>
   </dgm:ptLst>
   <dgm:cxnLst>
+    <dgm:cxn modelId="{54B2FED9-9F5A-482C-B7AD-CE780DBB4D7A}" type="presOf" srcId="{ED3CCD02-8D75-4A08-AD85-C5F828B29313}" destId="{E09D1B4B-09AE-4B1F-A409-CE344F8F9185}" srcOrd="0" destOrd="0" presId="urn:microsoft.com/office/officeart/2005/8/layout/radial5"/>
+    <dgm:cxn modelId="{DF0DC324-3E24-4C19-A1FD-DD9570009774}" type="presOf" srcId="{9A038BAD-1DAA-4E08-AF5C-7A535C3A31A3}" destId="{492A8904-4F29-41B2-8DF6-9E5DB43B598E}" srcOrd="0" destOrd="0" presId="urn:microsoft.com/office/officeart/2005/8/layout/radial5"/>
+    <dgm:cxn modelId="{7362BBE9-CE05-48ED-9B0F-19744BB7FA24}" type="presOf" srcId="{CFE62A0D-AFCB-42FF-A2F7-4127DE6E4A06}" destId="{5E3992B2-2FF9-4710-BC5D-D3CABAC0944B}" srcOrd="1" destOrd="0" presId="urn:microsoft.com/office/officeart/2005/8/layout/radial5"/>
+    <dgm:cxn modelId="{D455749F-4F4C-4295-A229-F1CAA9A84B33}" type="presOf" srcId="{C2B16F5E-4FD9-4E6C-984C-5FB34252F788}" destId="{A0AE6ABD-EFF8-41C2-907C-790C07DF522C}" srcOrd="0" destOrd="0" presId="urn:microsoft.com/office/officeart/2005/8/layout/radial5"/>
+    <dgm:cxn modelId="{26D1578F-8BE0-4DFF-B5B7-36D919C7DF48}" type="presOf" srcId="{19675BB5-4BE3-4E06-B2B3-AAA3D107C1A8}" destId="{EB09D521-9D02-4B4D-80CB-EB847731A63E}" srcOrd="0" destOrd="0" presId="urn:microsoft.com/office/officeart/2005/8/layout/radial5"/>
+    <dgm:cxn modelId="{29FA02FA-E640-4261-806B-AA21CEF811C3}" type="presOf" srcId="{E1D6882F-7F41-4B9B-8326-079D0B7775D3}" destId="{FB0FDE60-5A66-47CD-855C-10B0ABFAFF6D}" srcOrd="0" destOrd="0" presId="urn:microsoft.com/office/officeart/2005/8/layout/radial5"/>
+    <dgm:cxn modelId="{F98C9256-0E52-4294-AA5B-17A525F41415}" type="presOf" srcId="{813DB034-1CFA-4CE1-8536-6BC256192226}" destId="{60779230-642B-46DB-B5CA-FC2220C38859}" srcOrd="0" destOrd="0" presId="urn:microsoft.com/office/officeart/2005/8/layout/radial5"/>
+    <dgm:cxn modelId="{41966F54-3C25-450E-8104-04B2B9165959}" srcId="{D3864EA6-13E7-440F-948B-8118F5878A44}" destId="{813DB034-1CFA-4CE1-8536-6BC256192226}" srcOrd="0" destOrd="0" parTransId="{ED3CCD02-8D75-4A08-AD85-C5F828B29313}" sibTransId="{F3516F2D-4619-4753-A81E-130803DFBFC7}"/>
+    <dgm:cxn modelId="{7598B8A9-9332-4A2B-B5D9-CF010EBBDF46}" type="presOf" srcId="{8F21B166-5620-46A8-A5DD-72EAE361E61D}" destId="{8C992717-B056-4E89-850B-547F00D86B47}" srcOrd="1" destOrd="0" presId="urn:microsoft.com/office/officeart/2005/8/layout/radial5"/>
+    <dgm:cxn modelId="{D74F0E62-DE98-4010-8B2E-1EAAA9E56350}" type="presOf" srcId="{14E5A95F-9DC9-4E33-B709-14C57323ACAA}" destId="{0B5562C5-56E9-4F94-AD9A-09B6AA6E206F}" srcOrd="0" destOrd="0" presId="urn:microsoft.com/office/officeart/2005/8/layout/radial5"/>
     <dgm:cxn modelId="{5EBF790F-CC7C-4BBA-98A7-614FB5283795}" srcId="{D3864EA6-13E7-440F-948B-8118F5878A44}" destId="{6461E40C-FAF1-4C11-9CA4-01B7756558A8}" srcOrd="1" destOrd="0" parTransId="{5418FCE5-0AC2-479F-8F47-D35F7A60BD8D}" sibTransId="{3D67A8BA-4FB2-401F-A3C1-92132B645061}"/>
+    <dgm:cxn modelId="{7834DFDC-DD97-4D0F-B547-27AB53428B4B}" srcId="{19675BB5-4BE3-4E06-B2B3-AAA3D107C1A8}" destId="{D3864EA6-13E7-440F-948B-8118F5878A44}" srcOrd="0" destOrd="0" parTransId="{5F920266-1B6A-4D7D-8C8B-D20E2934BF67}" sibTransId="{F4FE127A-F33D-4F59-961D-A505D5A781EE}"/>
+    <dgm:cxn modelId="{7EB75183-B20B-4EE8-AF71-83BA84E1BE0D}" type="presOf" srcId="{8F21B166-5620-46A8-A5DD-72EAE361E61D}" destId="{470BEB95-5498-4076-A7AD-52EA2D6058A0}" srcOrd="0" destOrd="0" presId="urn:microsoft.com/office/officeart/2005/8/layout/radial5"/>
     <dgm:cxn modelId="{F383A1C8-295E-4F6E-9C5D-67AA4DB4F7EB}" type="presOf" srcId="{ED3CCD02-8D75-4A08-AD85-C5F828B29313}" destId="{79A2186A-8429-4E95-A4D2-214813090081}" srcOrd="1" destOrd="0" presId="urn:microsoft.com/office/officeart/2005/8/layout/radial5"/>
-    <dgm:cxn modelId="{54B2FED9-9F5A-482C-B7AD-CE780DBB4D7A}" type="presOf" srcId="{ED3CCD02-8D75-4A08-AD85-C5F828B29313}" destId="{E09D1B4B-09AE-4B1F-A409-CE344F8F9185}" srcOrd="0" destOrd="0" presId="urn:microsoft.com/office/officeart/2005/8/layout/radial5"/>
-    <dgm:cxn modelId="{7834DFDC-DD97-4D0F-B547-27AB53428B4B}" srcId="{19675BB5-4BE3-4E06-B2B3-AAA3D107C1A8}" destId="{D3864EA6-13E7-440F-948B-8118F5878A44}" srcOrd="0" destOrd="0" parTransId="{5F920266-1B6A-4D7D-8C8B-D20E2934BF67}" sibTransId="{F4FE127A-F33D-4F59-961D-A505D5A781EE}"/>
+    <dgm:cxn modelId="{4D341991-5DB3-4739-89C1-0B6A24A114E8}" type="presOf" srcId="{5418FCE5-0AC2-479F-8F47-D35F7A60BD8D}" destId="{4873F644-A37B-4263-BDD3-7D4AECF93436}" srcOrd="0" destOrd="0" presId="urn:microsoft.com/office/officeart/2005/8/layout/radial5"/>
+    <dgm:cxn modelId="{67029EA3-AC4E-48C5-87CF-57A4733799CA}" type="presOf" srcId="{E1D6882F-7F41-4B9B-8326-079D0B7775D3}" destId="{D9C29361-9907-4AA5-9D4C-465D8E4516DA}" srcOrd="1" destOrd="0" presId="urn:microsoft.com/office/officeart/2005/8/layout/radial5"/>
+    <dgm:cxn modelId="{B78770BC-227B-404F-8185-2F70ECA32605}" srcId="{D3864EA6-13E7-440F-948B-8118F5878A44}" destId="{14E5A95F-9DC9-4E33-B709-14C57323ACAA}" srcOrd="2" destOrd="0" parTransId="{CFE62A0D-AFCB-42FF-A2F7-4127DE6E4A06}" sibTransId="{87455A86-154D-4572-BF6D-F5FEBED08194}"/>
     <dgm:cxn modelId="{33CA9426-6028-4F9E-ADDB-AA3042A81F7D}" type="presOf" srcId="{6461E40C-FAF1-4C11-9CA4-01B7756558A8}" destId="{8FE55D76-69B8-469D-BE4A-A0F9F69D5110}" srcOrd="0" destOrd="0" presId="urn:microsoft.com/office/officeart/2005/8/layout/radial5"/>
-    <dgm:cxn modelId="{29FA02FA-E640-4261-806B-AA21CEF811C3}" type="presOf" srcId="{E1D6882F-7F41-4B9B-8326-079D0B7775D3}" destId="{FB0FDE60-5A66-47CD-855C-10B0ABFAFF6D}" srcOrd="0" destOrd="0" presId="urn:microsoft.com/office/officeart/2005/8/layout/radial5"/>
+    <dgm:cxn modelId="{459BE59C-8527-4040-AA6D-E00460E9E8BD}" type="presOf" srcId="{D3864EA6-13E7-440F-948B-8118F5878A44}" destId="{7ADCFBEC-172E-41BB-B545-FE2085E0B744}" srcOrd="0" destOrd="0" presId="urn:microsoft.com/office/officeart/2005/8/layout/radial5"/>
+    <dgm:cxn modelId="{F20E6E35-2EF6-49E1-BCE2-AF737813AC7F}" srcId="{D3864EA6-13E7-440F-948B-8118F5878A44}" destId="{C2B16F5E-4FD9-4E6C-984C-5FB34252F788}" srcOrd="4" destOrd="0" parTransId="{8F21B166-5620-46A8-A5DD-72EAE361E61D}" sibTransId="{D972BA52-9B06-4D48-9819-200C1326EA4D}"/>
+    <dgm:cxn modelId="{F67B8136-3A2B-408C-9570-C50B3786C6D1}" srcId="{D3864EA6-13E7-440F-948B-8118F5878A44}" destId="{9A038BAD-1DAA-4E08-AF5C-7A535C3A31A3}" srcOrd="3" destOrd="0" parTransId="{E1D6882F-7F41-4B9B-8326-079D0B7775D3}" sibTransId="{BF904E21-59DA-42DB-BE7C-359EAF11BFDB}"/>
+    <dgm:cxn modelId="{33010AF7-9670-4113-8A43-897FBCF42E9F}" type="presOf" srcId="{CFE62A0D-AFCB-42FF-A2F7-4127DE6E4A06}" destId="{8999D690-D432-4F1A-B2AE-D98A61E6F24A}" srcOrd="0" destOrd="0" presId="urn:microsoft.com/office/officeart/2005/8/layout/radial5"/>
     <dgm:cxn modelId="{9D61B47E-7F41-4639-962A-9097B26F323C}" type="presOf" srcId="{5418FCE5-0AC2-479F-8F47-D35F7A60BD8D}" destId="{AF2E0478-D773-4966-9A95-8E70AD7139B7}" srcOrd="1" destOrd="0" presId="urn:microsoft.com/office/officeart/2005/8/layout/radial5"/>
-    <dgm:cxn modelId="{F20E6E35-2EF6-49E1-BCE2-AF737813AC7F}" srcId="{D3864EA6-13E7-440F-948B-8118F5878A44}" destId="{C2B16F5E-4FD9-4E6C-984C-5FB34252F788}" srcOrd="4" destOrd="0" parTransId="{8F21B166-5620-46A8-A5DD-72EAE361E61D}" sibTransId="{D972BA52-9B06-4D48-9819-200C1326EA4D}"/>
-    <dgm:cxn modelId="{7362BBE9-CE05-48ED-9B0F-19744BB7FA24}" type="presOf" srcId="{CFE62A0D-AFCB-42FF-A2F7-4127DE6E4A06}" destId="{5E3992B2-2FF9-4710-BC5D-D3CABAC0944B}" srcOrd="1" destOrd="0" presId="urn:microsoft.com/office/officeart/2005/8/layout/radial5"/>
-    <dgm:cxn modelId="{67029EA3-AC4E-48C5-87CF-57A4733799CA}" type="presOf" srcId="{E1D6882F-7F41-4B9B-8326-079D0B7775D3}" destId="{D9C29361-9907-4AA5-9D4C-465D8E4516DA}" srcOrd="1" destOrd="0" presId="urn:microsoft.com/office/officeart/2005/8/layout/radial5"/>
-    <dgm:cxn modelId="{DF0DC324-3E24-4C19-A1FD-DD9570009774}" type="presOf" srcId="{9A038BAD-1DAA-4E08-AF5C-7A535C3A31A3}" destId="{492A8904-4F29-41B2-8DF6-9E5DB43B598E}" srcOrd="0" destOrd="0" presId="urn:microsoft.com/office/officeart/2005/8/layout/radial5"/>
-    <dgm:cxn modelId="{459BE59C-8527-4040-AA6D-E00460E9E8BD}" type="presOf" srcId="{D3864EA6-13E7-440F-948B-8118F5878A44}" destId="{7ADCFBEC-172E-41BB-B545-FE2085E0B744}" srcOrd="0" destOrd="0" presId="urn:microsoft.com/office/officeart/2005/8/layout/radial5"/>
-    <dgm:cxn modelId="{26D1578F-8BE0-4DFF-B5B7-36D919C7DF48}" type="presOf" srcId="{19675BB5-4BE3-4E06-B2B3-AAA3D107C1A8}" destId="{EB09D521-9D02-4B4D-80CB-EB847731A63E}" srcOrd="0" destOrd="0" presId="urn:microsoft.com/office/officeart/2005/8/layout/radial5"/>
-    <dgm:cxn modelId="{41966F54-3C25-450E-8104-04B2B9165959}" srcId="{D3864EA6-13E7-440F-948B-8118F5878A44}" destId="{813DB034-1CFA-4CE1-8536-6BC256192226}" srcOrd="0" destOrd="0" parTransId="{ED3CCD02-8D75-4A08-AD85-C5F828B29313}" sibTransId="{F3516F2D-4619-4753-A81E-130803DFBFC7}"/>
-    <dgm:cxn modelId="{B78770BC-227B-404F-8185-2F70ECA32605}" srcId="{D3864EA6-13E7-440F-948B-8118F5878A44}" destId="{14E5A95F-9DC9-4E33-B709-14C57323ACAA}" srcOrd="2" destOrd="0" parTransId="{CFE62A0D-AFCB-42FF-A2F7-4127DE6E4A06}" sibTransId="{87455A86-154D-4572-BF6D-F5FEBED08194}"/>
-    <dgm:cxn modelId="{4D341991-5DB3-4739-89C1-0B6A24A114E8}" type="presOf" srcId="{5418FCE5-0AC2-479F-8F47-D35F7A60BD8D}" destId="{4873F644-A37B-4263-BDD3-7D4AECF93436}" srcOrd="0" destOrd="0" presId="urn:microsoft.com/office/officeart/2005/8/layout/radial5"/>
-    <dgm:cxn modelId="{7598B8A9-9332-4A2B-B5D9-CF010EBBDF46}" type="presOf" srcId="{8F21B166-5620-46A8-A5DD-72EAE361E61D}" destId="{8C992717-B056-4E89-850B-547F00D86B47}" srcOrd="1" destOrd="0" presId="urn:microsoft.com/office/officeart/2005/8/layout/radial5"/>
-    <dgm:cxn modelId="{D455749F-4F4C-4295-A229-F1CAA9A84B33}" type="presOf" srcId="{C2B16F5E-4FD9-4E6C-984C-5FB34252F788}" destId="{A0AE6ABD-EFF8-41C2-907C-790C07DF522C}" srcOrd="0" destOrd="0" presId="urn:microsoft.com/office/officeart/2005/8/layout/radial5"/>
-    <dgm:cxn modelId="{7EB75183-B20B-4EE8-AF71-83BA84E1BE0D}" type="presOf" srcId="{8F21B166-5620-46A8-A5DD-72EAE361E61D}" destId="{470BEB95-5498-4076-A7AD-52EA2D6058A0}" srcOrd="0" destOrd="0" presId="urn:microsoft.com/office/officeart/2005/8/layout/radial5"/>
-    <dgm:cxn modelId="{33010AF7-9670-4113-8A43-897FBCF42E9F}" type="presOf" srcId="{CFE62A0D-AFCB-42FF-A2F7-4127DE6E4A06}" destId="{8999D690-D432-4F1A-B2AE-D98A61E6F24A}" srcOrd="0" destOrd="0" presId="urn:microsoft.com/office/officeart/2005/8/layout/radial5"/>
-    <dgm:cxn modelId="{F98C9256-0E52-4294-AA5B-17A525F41415}" type="presOf" srcId="{813DB034-1CFA-4CE1-8536-6BC256192226}" destId="{60779230-642B-46DB-B5CA-FC2220C38859}" srcOrd="0" destOrd="0" presId="urn:microsoft.com/office/officeart/2005/8/layout/radial5"/>
-    <dgm:cxn modelId="{F67B8136-3A2B-408C-9570-C50B3786C6D1}" srcId="{D3864EA6-13E7-440F-948B-8118F5878A44}" destId="{9A038BAD-1DAA-4E08-AF5C-7A535C3A31A3}" srcOrd="3" destOrd="0" parTransId="{E1D6882F-7F41-4B9B-8326-079D0B7775D3}" sibTransId="{BF904E21-59DA-42DB-BE7C-359EAF11BFDB}"/>
-    <dgm:cxn modelId="{D74F0E62-DE98-4010-8B2E-1EAAA9E56350}" type="presOf" srcId="{14E5A95F-9DC9-4E33-B709-14C57323ACAA}" destId="{0B5562C5-56E9-4F94-AD9A-09B6AA6E206F}" srcOrd="0" destOrd="0" presId="urn:microsoft.com/office/officeart/2005/8/layout/radial5"/>
     <dgm:cxn modelId="{7A2CDD09-A224-4181-B0A8-F745690C8BD3}" type="presParOf" srcId="{EB09D521-9D02-4B4D-80CB-EB847731A63E}" destId="{7ADCFBEC-172E-41BB-B545-FE2085E0B744}" srcOrd="0" destOrd="0" presId="urn:microsoft.com/office/officeart/2005/8/layout/radial5"/>
     <dgm:cxn modelId="{7BB1E9F2-577C-4EDD-9E82-599DABB04466}" type="presParOf" srcId="{EB09D521-9D02-4B4D-80CB-EB847731A63E}" destId="{E09D1B4B-09AE-4B1F-A409-CE344F8F9185}" srcOrd="1" destOrd="0" presId="urn:microsoft.com/office/officeart/2005/8/layout/radial5"/>
     <dgm:cxn modelId="{E09E266F-8E22-44BE-8978-A502F4303C38}" type="presParOf" srcId="{E09D1B4B-09AE-4B1F-A409-CE344F8F9185}" destId="{79A2186A-8429-4E95-A4D2-214813090081}" srcOrd="0" destOrd="0" presId="urn:microsoft.com/office/officeart/2005/8/layout/radial5"/>
@@ -1426,14 +1418,14 @@
   <dgm:whole/>
   <dgm:extLst>
     <a:ext uri="http://schemas.microsoft.com/office/drawing/2008/diagram">
-      <dsp:dataModelExt xmlns:dsp="http://schemas.microsoft.com/office/drawing/2008/diagram" relId="rId10" minVer="http://schemas.openxmlformats.org/drawingml/2006/diagram"/>
+      <dsp:dataModelExt xmlns:dsp="http://schemas.microsoft.com/office/drawing/2008/diagram" xmlns="" relId="rId10" minVer="http://schemas.openxmlformats.org/drawingml/2006/diagram"/>
     </a:ext>
   </dgm:extLst>
 </dgm:dataModel>
 </file>
 
 <file path=ppt/diagrams/drawing1.xml><?xml version="1.0" encoding="utf-8"?>
-<dsp:drawing xmlns:dgm="http://schemas.openxmlformats.org/drawingml/2006/diagram" xmlns:dsp="http://schemas.microsoft.com/office/drawing/2008/diagram" xmlns:a="http://schemas.openxmlformats.org/drawingml/2006/main">
+<dsp:drawing xmlns:dgm="http://schemas.openxmlformats.org/drawingml/2006/diagram" xmlns:a="http://schemas.openxmlformats.org/drawingml/2006/main" xmlns:dsp="http://schemas.microsoft.com/office/drawing/2008/diagram">
   <dsp:spTree>
     <dsp:nvGrpSpPr>
       <dsp:cNvPr id="0" name=""/>
@@ -1563,8 +1555,8 @@
         </a:p>
       </dsp:txBody>
       <dsp:txXfrm>
-        <a:off x="3582038" y="1903007"/>
-        <a:ext cx="1179822" cy="1179822"/>
+        <a:off x="3337689" y="1658658"/>
+        <a:ext cx="1668520" cy="1668520"/>
       </dsp:txXfrm>
     </dsp:sp>
     <dsp:sp modelId="{E09D1B4B-09AE-4B1F-A409-CE344F8F9185}">
@@ -1686,9 +1678,9 @@
           <a:endParaRPr lang="en-US" sz="1900" kern="1200"/>
         </a:p>
       </dsp:txBody>
-      <dsp:txXfrm rot="10800000">
-        <a:off x="4128026" y="1441059"/>
-        <a:ext cx="76862" cy="267209"/>
+      <dsp:txXfrm rot="16179437">
+        <a:off x="4111457" y="1335520"/>
+        <a:ext cx="109803" cy="445347"/>
       </dsp:txXfrm>
     </dsp:sp>
     <dsp:sp modelId="{60779230-642B-46DB-B5CA-FC2220C38859}">
@@ -1814,8 +1806,8 @@
         </a:p>
       </dsp:txBody>
       <dsp:txXfrm>
-        <a:off x="3616493" y="136686"/>
-        <a:ext cx="1089239" cy="1089239"/>
+        <a:off x="3390904" y="-88903"/>
+        <a:ext cx="1540417" cy="1540417"/>
       </dsp:txXfrm>
     </dsp:sp>
     <dsp:sp modelId="{4873F644-A37B-4263-BDD3-7D4AECF93436}">
@@ -1937,9 +1929,9 @@
           <a:endParaRPr lang="en-US" sz="1900" kern="1200"/>
         </a:p>
       </dsp:txBody>
-      <dsp:txXfrm>
-        <a:off x="5006797" y="2072128"/>
-        <a:ext cx="78509" cy="267209"/>
+      <dsp:txXfrm rot="20508725">
+        <a:off x="5005956" y="1977808"/>
+        <a:ext cx="112156" cy="445347"/>
       </dsp:txXfrm>
     </dsp:sp>
     <dsp:sp modelId="{8FE55D76-69B8-469D-BE4A-A0F9F69D5110}">
@@ -2063,22 +2055,14 @@
           </a:r>
           <a:r>
             <a:rPr lang="en-US" sz="1300" b="1" kern="1200" spc="-10" baseline="0" dirty="0" smtClean="0"/>
-            <a:t> </a:t>
-          </a:r>
-          <a:r>
-            <a:rPr lang="en-US" sz="1300" b="1" kern="1200" spc="-10" baseline="0" dirty="0" smtClean="0"/>
-            <a:t>Client, Speech </a:t>
-          </a:r>
-          <a:r>
-            <a:rPr lang="en-US" sz="1300" b="1" kern="1200" spc="-10" baseline="0" dirty="0" smtClean="0"/>
-            <a:t>and Gestures</a:t>
+            <a:t> Client, Speech and Gestures</a:t>
           </a:r>
           <a:endParaRPr lang="en-US" sz="1300" b="1" kern="1200" spc="-10" baseline="0" dirty="0"/>
         </a:p>
       </dsp:txBody>
       <dsp:txXfrm>
-        <a:off x="5352679" y="1381436"/>
-        <a:ext cx="1089239" cy="1089239"/>
+        <a:off x="5127090" y="1155847"/>
+        <a:ext cx="1540417" cy="1540417"/>
       </dsp:txXfrm>
     </dsp:sp>
     <dsp:sp modelId="{8999D690-D432-4F1A-B2AE-D98A61E6F24A}">
@@ -2200,9 +2184,9 @@
           <a:endParaRPr lang="en-US" sz="1900" kern="1200"/>
         </a:p>
       </dsp:txBody>
-      <dsp:txXfrm>
-        <a:off x="4674466" y="3109672"/>
-        <a:ext cx="85301" cy="267209"/>
+      <dsp:txXfrm rot="3240000">
+        <a:off x="4666931" y="3035391"/>
+        <a:ext cx="121859" cy="445347"/>
       </dsp:txXfrm>
     </dsp:sp>
     <dsp:sp modelId="{0B5562C5-56E9-4F94-AD9A-09B6AA6E206F}">
@@ -2328,8 +2312,8 @@
         </a:p>
       </dsp:txBody>
       <dsp:txXfrm>
-        <a:off x="4705558" y="3432353"/>
-        <a:ext cx="1089239" cy="1089239"/>
+        <a:off x="4479969" y="3206764"/>
+        <a:ext cx="1540417" cy="1540417"/>
       </dsp:txXfrm>
     </dsp:sp>
     <dsp:sp modelId="{FB0FDE60-5A66-47CD-855C-10B0ABFAFF6D}">
@@ -2451,9 +2435,9 @@
           <a:endParaRPr lang="en-US" sz="1900" kern="1200"/>
         </a:p>
       </dsp:txBody>
-      <dsp:txXfrm rot="10800000">
-        <a:off x="3584132" y="3109672"/>
-        <a:ext cx="85301" cy="267209"/>
+      <dsp:txXfrm rot="7560000">
+        <a:off x="3555109" y="3035391"/>
+        <a:ext cx="121859" cy="445347"/>
       </dsp:txXfrm>
     </dsp:sp>
     <dsp:sp modelId="{492A8904-4F29-41B2-8DF6-9E5DB43B598E}">
@@ -2579,8 +2563,8 @@
         </a:p>
       </dsp:txBody>
       <dsp:txXfrm>
-        <a:off x="2549101" y="3432353"/>
-        <a:ext cx="1089239" cy="1089239"/>
+        <a:off x="2323512" y="3206764"/>
+        <a:ext cx="1540417" cy="1540417"/>
       </dsp:txXfrm>
     </dsp:sp>
     <dsp:sp modelId="{470BEB95-5498-4076-A7AD-52EA2D6058A0}">
@@ -2702,9 +2686,9 @@
           <a:endParaRPr lang="en-US" sz="1900" kern="1200"/>
         </a:p>
       </dsp:txBody>
-      <dsp:txXfrm rot="10800000">
-        <a:off x="3247199" y="2072703"/>
-        <a:ext cx="85301" cy="267209"/>
+      <dsp:txXfrm rot="11880000">
+        <a:off x="3211536" y="1977985"/>
+        <a:ext cx="121859" cy="445347"/>
       </dsp:txXfrm>
     </dsp:sp>
     <dsp:sp modelId="{A0AE6ABD-EFF8-41C2-907C-790C07DF522C}">
@@ -2847,8 +2831,8 @@
         </a:p>
       </dsp:txBody>
       <dsp:txXfrm>
-        <a:off x="1882719" y="1381440"/>
-        <a:ext cx="1089239" cy="1089239"/>
+        <a:off x="1657130" y="1155851"/>
+        <a:ext cx="1540417" cy="1540417"/>
       </dsp:txXfrm>
     </dsp:sp>
   </dsp:spTree>
@@ -4237,7 +4221,7 @@
             <a:fld id="{724506C0-3FFE-45A5-803D-9F4FC5464A70}" type="datetimeFigureOut">
               <a:rPr lang="en-US" smtClean="0"/>
               <a:pPr/>
-              <a:t>11/29/2011</a:t>
+              <a:t>4/23/2012</a:t>
             </a:fld>
             <a:endParaRPr lang="en-US"/>
           </a:p>
@@ -4406,7 +4390,7 @@
     </p:spTree>
     <p:extLst>
       <p:ext uri="{BB962C8B-B14F-4D97-AF65-F5344CB8AC3E}">
-        <p14:creationId xmlns:p14="http://schemas.microsoft.com/office/powerpoint/2010/main" val="650118158"/>
+        <p14:creationId xmlns:p14="http://schemas.microsoft.com/office/powerpoint/2010/main" xmlns="" val="650118158"/>
       </p:ext>
     </p:extLst>
   </p:cSld>
@@ -5258,7 +5242,7 @@
             <a:fld id="{F922158D-428B-4987-8B28-745A2AFA1252}" type="datetimeFigureOut">
               <a:rPr lang="en-US" smtClean="0"/>
               <a:pPr/>
-              <a:t>11/29/2011</a:t>
+              <a:t>4/23/2012</a:t>
             </a:fld>
             <a:endParaRPr lang="en-US"/>
           </a:p>
@@ -5319,7 +5303,7 @@
           <a:blip r:embed="rId2" cstate="email">
             <a:extLst>
               <a:ext uri="{28A0092B-C50C-407E-A947-70E740481C1C}">
-                <a14:useLocalDpi xmlns:a14="http://schemas.microsoft.com/office/drawing/2010/main"/>
+                <a14:useLocalDpi xmlns:a14="http://schemas.microsoft.com/office/drawing/2010/main" xmlns=""/>
               </a:ext>
             </a:extLst>
           </a:blip>
@@ -5349,7 +5333,7 @@
           <a:blip r:embed="rId3" cstate="email">
             <a:extLst>
               <a:ext uri="{28A0092B-C50C-407E-A947-70E740481C1C}">
-                <a14:useLocalDpi xmlns:a14="http://schemas.microsoft.com/office/drawing/2010/main"/>
+                <a14:useLocalDpi xmlns:a14="http://schemas.microsoft.com/office/drawing/2010/main" xmlns=""/>
               </a:ext>
             </a:extLst>
           </a:blip>
@@ -5388,7 +5372,7 @@
           <a:blip r:embed="rId4" cstate="email">
             <a:extLst>
               <a:ext uri="{28A0092B-C50C-407E-A947-70E740481C1C}">
-                <a14:useLocalDpi xmlns:a14="http://schemas.microsoft.com/office/drawing/2010/main"/>
+                <a14:useLocalDpi xmlns:a14="http://schemas.microsoft.com/office/drawing/2010/main" xmlns=""/>
               </a:ext>
             </a:extLst>
           </a:blip>
@@ -5427,7 +5411,7 @@
           <a:blip r:embed="rId5" cstate="email">
             <a:extLst>
               <a:ext uri="{28A0092B-C50C-407E-A947-70E740481C1C}">
-                <a14:useLocalDpi xmlns:a14="http://schemas.microsoft.com/office/drawing/2010/main"/>
+                <a14:useLocalDpi xmlns:a14="http://schemas.microsoft.com/office/drawing/2010/main" xmlns=""/>
               </a:ext>
             </a:extLst>
           </a:blip>
@@ -5988,7 +5972,7 @@
             <a:fld id="{F922158D-428B-4987-8B28-745A2AFA1252}" type="datetimeFigureOut">
               <a:rPr lang="en-US" smtClean="0"/>
               <a:pPr/>
-              <a:t>11/29/2011</a:t>
+              <a:t>4/23/2012</a:t>
             </a:fld>
             <a:endParaRPr lang="en-US"/>
           </a:p>
@@ -6175,7 +6159,7 @@
             <a:fld id="{F922158D-428B-4987-8B28-745A2AFA1252}" type="datetimeFigureOut">
               <a:rPr lang="en-US" smtClean="0"/>
               <a:pPr/>
-              <a:t>11/29/2011</a:t>
+              <a:t>4/23/2012</a:t>
             </a:fld>
             <a:endParaRPr lang="en-US"/>
           </a:p>
@@ -6352,7 +6336,7 @@
             <a:fld id="{F922158D-428B-4987-8B28-745A2AFA1252}" type="datetimeFigureOut">
               <a:rPr lang="en-US" smtClean="0"/>
               <a:pPr/>
-              <a:t>11/29/2011</a:t>
+              <a:t>4/23/2012</a:t>
             </a:fld>
             <a:endParaRPr lang="en-US"/>
           </a:p>
@@ -6606,7 +6590,7 @@
             <a:fld id="{F922158D-428B-4987-8B28-745A2AFA1252}" type="datetimeFigureOut">
               <a:rPr lang="en-US" smtClean="0"/>
               <a:pPr/>
-              <a:t>11/29/2011</a:t>
+              <a:t>4/23/2012</a:t>
             </a:fld>
             <a:endParaRPr lang="en-US"/>
           </a:p>
@@ -6690,7 +6674,7 @@
           <a:blip r:embed="rId3" cstate="email">
             <a:extLst>
               <a:ext uri="{28A0092B-C50C-407E-A947-70E740481C1C}">
-                <a14:useLocalDpi xmlns:a14="http://schemas.microsoft.com/office/drawing/2010/main"/>
+                <a14:useLocalDpi xmlns:a14="http://schemas.microsoft.com/office/drawing/2010/main" xmlns=""/>
               </a:ext>
             </a:extLst>
           </a:blip>
@@ -7136,7 +7120,7 @@
             <a:fld id="{F922158D-428B-4987-8B28-745A2AFA1252}" type="datetimeFigureOut">
               <a:rPr lang="en-US" smtClean="0"/>
               <a:pPr/>
-              <a:t>11/29/2011</a:t>
+              <a:t>4/23/2012</a:t>
             </a:fld>
             <a:endParaRPr lang="en-US"/>
           </a:p>
@@ -7526,7 +7510,7 @@
             <a:fld id="{F922158D-428B-4987-8B28-745A2AFA1252}" type="datetimeFigureOut">
               <a:rPr lang="en-US" smtClean="0"/>
               <a:pPr/>
-              <a:t>11/29/2011</a:t>
+              <a:t>4/23/2012</a:t>
             </a:fld>
             <a:endParaRPr lang="en-US"/>
           </a:p>
@@ -7688,7 +7672,7 @@
             <a:fld id="{F922158D-428B-4987-8B28-745A2AFA1252}" type="datetimeFigureOut">
               <a:rPr lang="en-US" smtClean="0"/>
               <a:pPr/>
-              <a:t>11/29/2011</a:t>
+              <a:t>4/23/2012</a:t>
             </a:fld>
             <a:endParaRPr lang="en-US"/>
           </a:p>
@@ -7790,7 +7774,7 @@
             <a:fld id="{F922158D-428B-4987-8B28-745A2AFA1252}" type="datetimeFigureOut">
               <a:rPr lang="en-US" smtClean="0"/>
               <a:pPr/>
-              <a:t>11/29/2011</a:t>
+              <a:t>4/23/2012</a:t>
             </a:fld>
             <a:endParaRPr lang="en-US"/>
           </a:p>
@@ -8063,7 +8047,7 @@
             <a:fld id="{F922158D-428B-4987-8B28-745A2AFA1252}" type="datetimeFigureOut">
               <a:rPr lang="en-US" smtClean="0"/>
               <a:pPr/>
-              <a:t>11/29/2011</a:t>
+              <a:t>4/23/2012</a:t>
             </a:fld>
             <a:endParaRPr lang="en-US"/>
           </a:p>
@@ -8363,7 +8347,7 @@
             <a:fld id="{F922158D-428B-4987-8B28-745A2AFA1252}" type="datetimeFigureOut">
               <a:rPr lang="en-US" smtClean="0"/>
               <a:pPr/>
-              <a:t>11/29/2011</a:t>
+              <a:t>4/23/2012</a:t>
             </a:fld>
             <a:endParaRPr lang="en-US"/>
           </a:p>
@@ -9146,7 +9130,7 @@
             <a:fld id="{F922158D-428B-4987-8B28-745A2AFA1252}" type="datetimeFigureOut">
               <a:rPr lang="en-US" smtClean="0"/>
               <a:pPr/>
-              <a:t>11/29/2011</a:t>
+              <a:t>4/23/2012</a:t>
             </a:fld>
             <a:endParaRPr lang="en-US"/>
           </a:p>
@@ -10023,7 +10007,7 @@
           <a:blip r:embed="rId2" cstate="email">
             <a:extLst>
               <a:ext uri="{28A0092B-C50C-407E-A947-70E740481C1C}">
-                <a14:useLocalDpi xmlns:a14="http://schemas.microsoft.com/office/drawing/2010/main" val="0"/>
+                <a14:useLocalDpi xmlns:a14="http://schemas.microsoft.com/office/drawing/2010/main" xmlns="" val="0"/>
               </a:ext>
             </a:extLst>
           </a:blip>
@@ -10050,7 +10034,7 @@
           <a:blip r:embed="rId3" cstate="email">
             <a:extLst>
               <a:ext uri="{28A0092B-C50C-407E-A947-70E740481C1C}">
-                <a14:useLocalDpi xmlns:a14="http://schemas.microsoft.com/office/drawing/2010/main" val="0"/>
+                <a14:useLocalDpi xmlns:a14="http://schemas.microsoft.com/office/drawing/2010/main" xmlns="" val="0"/>
               </a:ext>
             </a:extLst>
           </a:blip>
@@ -10074,14 +10058,14 @@
           <a:effectLst/>
           <a:extLst>
             <a:ext uri="{909E8E84-426E-40DD-AFC4-6F175D3DCCD1}">
-              <a14:hiddenFill xmlns:a14="http://schemas.microsoft.com/office/drawing/2010/main">
+              <a14:hiddenFill xmlns:a14="http://schemas.microsoft.com/office/drawing/2010/main" xmlns="">
                 <a:solidFill>
                   <a:schemeClr val="accent1"/>
                 </a:solidFill>
               </a14:hiddenFill>
             </a:ext>
             <a:ext uri="{91240B29-F687-4F45-9708-019B960494DF}">
-              <a14:hiddenLine xmlns:a14="http://schemas.microsoft.com/office/drawing/2010/main" w="9525">
+              <a14:hiddenLine xmlns:a14="http://schemas.microsoft.com/office/drawing/2010/main" xmlns="" w="9525">
                 <a:solidFill>
                   <a:schemeClr val="tx1"/>
                 </a:solidFill>
@@ -10091,7 +10075,7 @@
               </a14:hiddenLine>
             </a:ext>
             <a:ext uri="{AF507438-7753-43E0-B8FC-AC1667EBCBE1}">
-              <a14:hiddenEffects xmlns:a14="http://schemas.microsoft.com/office/drawing/2010/main">
+              <a14:hiddenEffects xmlns:a14="http://schemas.microsoft.com/office/drawing/2010/main" xmlns="">
                 <a:effectLst>
                   <a:outerShdw dist="35921" dir="2700000" algn="ctr" rotWithShape="0">
                     <a:schemeClr val="bg2"/>
@@ -10105,7 +10089,7 @@
     </p:spTree>
     <p:extLst>
       <p:ext uri="{BB962C8B-B14F-4D97-AF65-F5344CB8AC3E}">
-        <p14:creationId xmlns:p14="http://schemas.microsoft.com/office/powerpoint/2010/main" val="665117354"/>
+        <p14:creationId xmlns:p14="http://schemas.microsoft.com/office/powerpoint/2010/main" xmlns="" val="665117354"/>
       </p:ext>
     </p:extLst>
   </p:cSld>
@@ -10198,7 +10182,7 @@
     </p:spTree>
     <p:extLst>
       <p:ext uri="{BB962C8B-B14F-4D97-AF65-F5344CB8AC3E}">
-        <p14:creationId xmlns:p14="http://schemas.microsoft.com/office/powerpoint/2010/main" val="93215671"/>
+        <p14:creationId xmlns:p14="http://schemas.microsoft.com/office/powerpoint/2010/main" xmlns="" val="93215671"/>
       </p:ext>
     </p:extLst>
   </p:cSld>
@@ -10262,7 +10246,7 @@
     </p:spTree>
     <p:extLst>
       <p:ext uri="{BB962C8B-B14F-4D97-AF65-F5344CB8AC3E}">
-        <p14:creationId xmlns:p14="http://schemas.microsoft.com/office/powerpoint/2010/main" val="1933149179"/>
+        <p14:creationId xmlns:p14="http://schemas.microsoft.com/office/powerpoint/2010/main" xmlns="" val="1933149179"/>
       </p:ext>
     </p:extLst>
   </p:cSld>
@@ -10387,11 +10371,7 @@
             </a:r>
             <a:r>
               <a:rPr lang="en-US" dirty="0" smtClean="0"/>
-              <a:t> games </a:t>
-            </a:r>
-            <a:r>
-              <a:rPr lang="en-US" dirty="0" smtClean="0"/>
-              <a:t>for virtual world environment</a:t>
+              <a:t> games for virtual world environment</a:t>
             </a:r>
           </a:p>
           <a:p>
@@ -10411,13 +10391,8 @@
             </a:pPr>
             <a:r>
               <a:rPr lang="en-US" dirty="0" smtClean="0"/>
-              <a:t>Games playing to the strengths of Second </a:t>
-            </a:r>
-            <a:r>
-              <a:rPr lang="en-US" dirty="0" smtClean="0"/>
-              <a:t>Life, existing objects/methods and independent of client</a:t>
-            </a:r>
-            <a:endParaRPr lang="en-US" dirty="0" smtClean="0"/>
+              <a:t>Games playing to the strengths of Second Life, existing objects/methods and independent of client</a:t>
+            </a:r>
           </a:p>
           <a:p>
             <a:pPr marL="0" indent="0">
@@ -10430,7 +10405,7 @@
     </p:spTree>
     <p:extLst>
       <p:ext uri="{BB962C8B-B14F-4D97-AF65-F5344CB8AC3E}">
-        <p14:creationId xmlns:p14="http://schemas.microsoft.com/office/powerpoint/2010/main" val="3818610722"/>
+        <p14:creationId xmlns:p14="http://schemas.microsoft.com/office/powerpoint/2010/main" xmlns="" val="3818610722"/>
       </p:ext>
     </p:extLst>
   </p:cSld>
@@ -10521,34 +10496,20 @@
           <a:p>
             <a:r>
               <a:rPr lang="en-US" sz="2800" dirty="0" smtClean="0"/>
-              <a:t>Kinect enabled games in a open world simulated environment</a:t>
-            </a:r>
+              <a:t>Kinect enabled games in a open world simulated environment. </a:t>
+            </a:r>
+          </a:p>
+          <a:p>
             <a:r>
               <a:rPr lang="en-US" sz="2800" dirty="0" smtClean="0"/>
-              <a:t>. </a:t>
-            </a:r>
-          </a:p>
-          <a:p>
-            <a:r>
-              <a:rPr lang="en-US" sz="2800" dirty="0" smtClean="0"/>
-              <a:t>Develop </a:t>
-            </a:r>
-            <a:r>
-              <a:rPr lang="en-US" sz="2800" dirty="0" smtClean="0"/>
-              <a:t>a game where the goal is to model a real world item using Kinect detected  </a:t>
-            </a:r>
-            <a:r>
-              <a:rPr lang="en-US" sz="2800" dirty="0" smtClean="0"/>
-              <a:t>gestures/speech.</a:t>
-            </a:r>
-            <a:endParaRPr lang="en-US" sz="2800" dirty="0" smtClean="0"/>
+              <a:t>Develop a game where the goal is to model a real world item using Kinect detected  gestures/speech.</a:t>
+            </a:r>
           </a:p>
           <a:p>
             <a:r>
               <a:rPr lang="en-US" sz="2800" dirty="0" smtClean="0"/>
               <a:t>Develop a 3D version of AngryBirds using SL as the game engine and Kinect as the control. </a:t>
             </a:r>
-            <a:endParaRPr lang="en-US" sz="2800" dirty="0" smtClean="0"/>
           </a:p>
           <a:p>
             <a:r>
@@ -10575,7 +10536,7 @@
           <a:blip r:embed="rId4" cstate="email">
             <a:extLst>
               <a:ext uri="{28A0092B-C50C-407E-A947-70E740481C1C}">
-                <a14:useLocalDpi xmlns:a14="http://schemas.microsoft.com/office/drawing/2010/main" val="0"/>
+                <a14:useLocalDpi xmlns:a14="http://schemas.microsoft.com/office/drawing/2010/main" xmlns="" val="0"/>
               </a:ext>
             </a:extLst>
           </a:blip>
@@ -10595,7 +10556,7 @@
           <a:noFill/>
           <a:extLst>
             <a:ext uri="{909E8E84-426E-40DD-AFC4-6F175D3DCCD1}">
-              <a14:hiddenFill xmlns:a14="http://schemas.microsoft.com/office/drawing/2010/main">
+              <a14:hiddenFill xmlns:a14="http://schemas.microsoft.com/office/drawing/2010/main" xmlns="">
                 <a:solidFill>
                   <a:srgbClr val="FFFFFF"/>
                 </a:solidFill>
@@ -10688,7 +10649,7 @@
             </p:custDataLst>
             <p:extLst>
               <p:ext uri="{D42A27DB-BD31-4B8C-83A1-F6EECF244321}">
-                <p14:modId xmlns:p14="http://schemas.microsoft.com/office/powerpoint/2010/main" val="712544266"/>
+                <p14:modId xmlns:p14="http://schemas.microsoft.com/office/powerpoint/2010/main" xmlns="" val="712544266"/>
               </p:ext>
             </p:extLst>
           </p:nvPr>
@@ -10979,11 +10940,7 @@
             </a:pPr>
             <a:r>
               <a:rPr lang="en-US" dirty="0" smtClean="0"/>
-              <a:t>Communication between Kinect and Second </a:t>
-            </a:r>
-            <a:r>
-              <a:rPr lang="en-US" dirty="0" smtClean="0"/>
-              <a:t>Life</a:t>
+              <a:t>Communication between Kinect and Second Life</a:t>
             </a:r>
             <a:endParaRPr lang="en-US" dirty="0"/>
           </a:p>
@@ -10995,11 +10952,7 @@
             </a:pPr>
             <a:r>
               <a:rPr lang="en-US" dirty="0" smtClean="0"/>
-              <a:t>Rudimentary gesture events written with corresponding actions in Second </a:t>
-            </a:r>
-            <a:r>
-              <a:rPr lang="en-US" dirty="0" smtClean="0"/>
-              <a:t>Life</a:t>
+              <a:t>Rudimentary gesture events written with corresponding actions in Second Life</a:t>
             </a:r>
           </a:p>
           <a:p>
@@ -11034,17 +10987,8 @@
             </a:pPr>
             <a:r>
               <a:rPr lang="en-US" dirty="0" smtClean="0"/>
-              <a:t>Need to develop the game </a:t>
-            </a:r>
-            <a:r>
-              <a:rPr lang="en-US" dirty="0" smtClean="0"/>
-              <a:t>“Maps”</a:t>
-            </a:r>
-            <a:r>
-              <a:rPr lang="en-US" dirty="0" smtClean="0"/>
-              <a:t> </a:t>
-            </a:r>
-            <a:endParaRPr lang="en-US" dirty="0" smtClean="0"/>
+              <a:t>Need to develop the game “Maps” </a:t>
+            </a:r>
           </a:p>
           <a:p>
             <a:pPr lvl="1">
@@ -11056,7 +11000,6 @@
               <a:rPr lang="en-US" dirty="0" smtClean="0"/>
               <a:t>Need to develop complex gestures </a:t>
             </a:r>
-            <a:endParaRPr lang="en-US" dirty="0" smtClean="0"/>
           </a:p>
           <a:p>
             <a:pPr lvl="1">
@@ -11174,7 +11117,7 @@
         </p:spPr>
         <p:txBody>
           <a:bodyPr>
-            <a:normAutofit/>
+            <a:normAutofit fontScale="92500" lnSpcReduction="20000"/>
           </a:bodyPr>
           <a:lstStyle/>
           <a:p>
@@ -11206,8 +11149,13 @@
             </a:r>
             <a:r>
               <a:rPr lang="en-US" dirty="0" smtClean="0"/>
-              <a:t>. </a:t>
-            </a:r>
+              <a:t>., </a:t>
+            </a:r>
+            <a:r>
+              <a:rPr lang="en-US" smtClean="0"/>
+              <a:t>Map Design </a:t>
+            </a:r>
+            <a:endParaRPr lang="en-US" dirty="0" smtClean="0"/>
           </a:p>
           <a:p>
             <a:pPr>
@@ -11235,8 +11183,9 @@
             </a:pPr>
             <a:r>
               <a:rPr lang="en-US" dirty="0" smtClean="0"/>
-              <a:t>Game Implementation</a:t>
-            </a:r>
+              <a:t>HUD Design, Projectile and Cannon</a:t>
+            </a:r>
+            <a:endParaRPr lang="en-US" dirty="0" smtClean="0"/>
           </a:p>
           <a:p>
             <a:pPr>
@@ -11294,7 +11243,7 @@
           <a:blip r:embed="rId5" cstate="print">
             <a:extLst>
               <a:ext uri="{28A0092B-C50C-407E-A947-70E740481C1C}">
-                <a14:useLocalDpi xmlns:a14="http://schemas.microsoft.com/office/drawing/2010/main" val="0"/>
+                <a14:useLocalDpi xmlns:a14="http://schemas.microsoft.com/office/drawing/2010/main" xmlns="" val="0"/>
               </a:ext>
             </a:extLst>
           </a:blip>
@@ -11314,7 +11263,7 @@
           <a:noFill/>
           <a:extLst>
             <a:ext uri="{909E8E84-426E-40DD-AFC4-6F175D3DCCD1}">
-              <a14:hiddenFill xmlns:a14="http://schemas.microsoft.com/office/drawing/2010/main">
+              <a14:hiddenFill xmlns:a14="http://schemas.microsoft.com/office/drawing/2010/main" xmlns="">
                 <a:solidFill>
                   <a:srgbClr val="FFFFFF"/>
                 </a:solidFill>

--- a/ kinect-virtual-world --username c.c.williams55@gmail.com/Final Presentation/Angry_Prims_Final_Proposal.pptx
+++ b/ kinect-virtual-world --username c.c.williams55@gmail.com/Final Presentation/Angry_Prims_Final_Proposal.pptx
@@ -120,7 +120,7 @@
   </p:defaultTextStyle>
   <p:extLst>
     <p:ext uri="{521415D9-36F7-43E2-AB2F-B90AF26B5E84}">
-      <p14:sectionLst xmlns:p14="http://schemas.microsoft.com/office/powerpoint/2010/main" xmlns="">
+      <p14:sectionLst xmlns:p14="http://schemas.microsoft.com/office/powerpoint/2010/main">
         <p14:section name="Default Section" id="{992832F5-EA01-48E5-B403-87E193F50680}">
           <p14:sldIdLst>
             <p14:sldId id="259"/>
@@ -1013,7 +1013,15 @@
           </a:r>
           <a:r>
             <a:rPr lang="en-US" sz="1300" b="1" spc="-10" baseline="0" dirty="0" smtClean="0"/>
-            <a:t> Client, Speech and Gestures</a:t>
+            <a:t> </a:t>
+          </a:r>
+          <a:r>
+            <a:rPr lang="en-US" sz="1300" b="1" spc="-10" baseline="0" dirty="0" smtClean="0"/>
+            <a:t>Client, Speech </a:t>
+          </a:r>
+          <a:r>
+            <a:rPr lang="en-US" sz="1300" b="1" spc="-10" baseline="0" dirty="0" smtClean="0"/>
+            <a:t>and Gestures</a:t>
           </a:r>
           <a:endParaRPr lang="en-US" sz="1300" b="1" spc="-10" baseline="0" dirty="0"/>
         </a:p>
@@ -1374,29 +1382,29 @@
     </dgm:pt>
   </dgm:ptLst>
   <dgm:cxnLst>
+    <dgm:cxn modelId="{5EBF790F-CC7C-4BBA-98A7-614FB5283795}" srcId="{D3864EA6-13E7-440F-948B-8118F5878A44}" destId="{6461E40C-FAF1-4C11-9CA4-01B7756558A8}" srcOrd="1" destOrd="0" parTransId="{5418FCE5-0AC2-479F-8F47-D35F7A60BD8D}" sibTransId="{3D67A8BA-4FB2-401F-A3C1-92132B645061}"/>
+    <dgm:cxn modelId="{F383A1C8-295E-4F6E-9C5D-67AA4DB4F7EB}" type="presOf" srcId="{ED3CCD02-8D75-4A08-AD85-C5F828B29313}" destId="{79A2186A-8429-4E95-A4D2-214813090081}" srcOrd="1" destOrd="0" presId="urn:microsoft.com/office/officeart/2005/8/layout/radial5"/>
     <dgm:cxn modelId="{54B2FED9-9F5A-482C-B7AD-CE780DBB4D7A}" type="presOf" srcId="{ED3CCD02-8D75-4A08-AD85-C5F828B29313}" destId="{E09D1B4B-09AE-4B1F-A409-CE344F8F9185}" srcOrd="0" destOrd="0" presId="urn:microsoft.com/office/officeart/2005/8/layout/radial5"/>
+    <dgm:cxn modelId="{7834DFDC-DD97-4D0F-B547-27AB53428B4B}" srcId="{19675BB5-4BE3-4E06-B2B3-AAA3D107C1A8}" destId="{D3864EA6-13E7-440F-948B-8118F5878A44}" srcOrd="0" destOrd="0" parTransId="{5F920266-1B6A-4D7D-8C8B-D20E2934BF67}" sibTransId="{F4FE127A-F33D-4F59-961D-A505D5A781EE}"/>
+    <dgm:cxn modelId="{33CA9426-6028-4F9E-ADDB-AA3042A81F7D}" type="presOf" srcId="{6461E40C-FAF1-4C11-9CA4-01B7756558A8}" destId="{8FE55D76-69B8-469D-BE4A-A0F9F69D5110}" srcOrd="0" destOrd="0" presId="urn:microsoft.com/office/officeart/2005/8/layout/radial5"/>
+    <dgm:cxn modelId="{29FA02FA-E640-4261-806B-AA21CEF811C3}" type="presOf" srcId="{E1D6882F-7F41-4B9B-8326-079D0B7775D3}" destId="{FB0FDE60-5A66-47CD-855C-10B0ABFAFF6D}" srcOrd="0" destOrd="0" presId="urn:microsoft.com/office/officeart/2005/8/layout/radial5"/>
+    <dgm:cxn modelId="{9D61B47E-7F41-4639-962A-9097B26F323C}" type="presOf" srcId="{5418FCE5-0AC2-479F-8F47-D35F7A60BD8D}" destId="{AF2E0478-D773-4966-9A95-8E70AD7139B7}" srcOrd="1" destOrd="0" presId="urn:microsoft.com/office/officeart/2005/8/layout/radial5"/>
+    <dgm:cxn modelId="{F20E6E35-2EF6-49E1-BCE2-AF737813AC7F}" srcId="{D3864EA6-13E7-440F-948B-8118F5878A44}" destId="{C2B16F5E-4FD9-4E6C-984C-5FB34252F788}" srcOrd="4" destOrd="0" parTransId="{8F21B166-5620-46A8-A5DD-72EAE361E61D}" sibTransId="{D972BA52-9B06-4D48-9819-200C1326EA4D}"/>
+    <dgm:cxn modelId="{7362BBE9-CE05-48ED-9B0F-19744BB7FA24}" type="presOf" srcId="{CFE62A0D-AFCB-42FF-A2F7-4127DE6E4A06}" destId="{5E3992B2-2FF9-4710-BC5D-D3CABAC0944B}" srcOrd="1" destOrd="0" presId="urn:microsoft.com/office/officeart/2005/8/layout/radial5"/>
+    <dgm:cxn modelId="{67029EA3-AC4E-48C5-87CF-57A4733799CA}" type="presOf" srcId="{E1D6882F-7F41-4B9B-8326-079D0B7775D3}" destId="{D9C29361-9907-4AA5-9D4C-465D8E4516DA}" srcOrd="1" destOrd="0" presId="urn:microsoft.com/office/officeart/2005/8/layout/radial5"/>
     <dgm:cxn modelId="{DF0DC324-3E24-4C19-A1FD-DD9570009774}" type="presOf" srcId="{9A038BAD-1DAA-4E08-AF5C-7A535C3A31A3}" destId="{492A8904-4F29-41B2-8DF6-9E5DB43B598E}" srcOrd="0" destOrd="0" presId="urn:microsoft.com/office/officeart/2005/8/layout/radial5"/>
-    <dgm:cxn modelId="{7362BBE9-CE05-48ED-9B0F-19744BB7FA24}" type="presOf" srcId="{CFE62A0D-AFCB-42FF-A2F7-4127DE6E4A06}" destId="{5E3992B2-2FF9-4710-BC5D-D3CABAC0944B}" srcOrd="1" destOrd="0" presId="urn:microsoft.com/office/officeart/2005/8/layout/radial5"/>
+    <dgm:cxn modelId="{459BE59C-8527-4040-AA6D-E00460E9E8BD}" type="presOf" srcId="{D3864EA6-13E7-440F-948B-8118F5878A44}" destId="{7ADCFBEC-172E-41BB-B545-FE2085E0B744}" srcOrd="0" destOrd="0" presId="urn:microsoft.com/office/officeart/2005/8/layout/radial5"/>
+    <dgm:cxn modelId="{26D1578F-8BE0-4DFF-B5B7-36D919C7DF48}" type="presOf" srcId="{19675BB5-4BE3-4E06-B2B3-AAA3D107C1A8}" destId="{EB09D521-9D02-4B4D-80CB-EB847731A63E}" srcOrd="0" destOrd="0" presId="urn:microsoft.com/office/officeart/2005/8/layout/radial5"/>
+    <dgm:cxn modelId="{41966F54-3C25-450E-8104-04B2B9165959}" srcId="{D3864EA6-13E7-440F-948B-8118F5878A44}" destId="{813DB034-1CFA-4CE1-8536-6BC256192226}" srcOrd="0" destOrd="0" parTransId="{ED3CCD02-8D75-4A08-AD85-C5F828B29313}" sibTransId="{F3516F2D-4619-4753-A81E-130803DFBFC7}"/>
+    <dgm:cxn modelId="{B78770BC-227B-404F-8185-2F70ECA32605}" srcId="{D3864EA6-13E7-440F-948B-8118F5878A44}" destId="{14E5A95F-9DC9-4E33-B709-14C57323ACAA}" srcOrd="2" destOrd="0" parTransId="{CFE62A0D-AFCB-42FF-A2F7-4127DE6E4A06}" sibTransId="{87455A86-154D-4572-BF6D-F5FEBED08194}"/>
+    <dgm:cxn modelId="{4D341991-5DB3-4739-89C1-0B6A24A114E8}" type="presOf" srcId="{5418FCE5-0AC2-479F-8F47-D35F7A60BD8D}" destId="{4873F644-A37B-4263-BDD3-7D4AECF93436}" srcOrd="0" destOrd="0" presId="urn:microsoft.com/office/officeart/2005/8/layout/radial5"/>
+    <dgm:cxn modelId="{7598B8A9-9332-4A2B-B5D9-CF010EBBDF46}" type="presOf" srcId="{8F21B166-5620-46A8-A5DD-72EAE361E61D}" destId="{8C992717-B056-4E89-850B-547F00D86B47}" srcOrd="1" destOrd="0" presId="urn:microsoft.com/office/officeart/2005/8/layout/radial5"/>
     <dgm:cxn modelId="{D455749F-4F4C-4295-A229-F1CAA9A84B33}" type="presOf" srcId="{C2B16F5E-4FD9-4E6C-984C-5FB34252F788}" destId="{A0AE6ABD-EFF8-41C2-907C-790C07DF522C}" srcOrd="0" destOrd="0" presId="urn:microsoft.com/office/officeart/2005/8/layout/radial5"/>
-    <dgm:cxn modelId="{26D1578F-8BE0-4DFF-B5B7-36D919C7DF48}" type="presOf" srcId="{19675BB5-4BE3-4E06-B2B3-AAA3D107C1A8}" destId="{EB09D521-9D02-4B4D-80CB-EB847731A63E}" srcOrd="0" destOrd="0" presId="urn:microsoft.com/office/officeart/2005/8/layout/radial5"/>
-    <dgm:cxn modelId="{29FA02FA-E640-4261-806B-AA21CEF811C3}" type="presOf" srcId="{E1D6882F-7F41-4B9B-8326-079D0B7775D3}" destId="{FB0FDE60-5A66-47CD-855C-10B0ABFAFF6D}" srcOrd="0" destOrd="0" presId="urn:microsoft.com/office/officeart/2005/8/layout/radial5"/>
+    <dgm:cxn modelId="{7EB75183-B20B-4EE8-AF71-83BA84E1BE0D}" type="presOf" srcId="{8F21B166-5620-46A8-A5DD-72EAE361E61D}" destId="{470BEB95-5498-4076-A7AD-52EA2D6058A0}" srcOrd="0" destOrd="0" presId="urn:microsoft.com/office/officeart/2005/8/layout/radial5"/>
+    <dgm:cxn modelId="{33010AF7-9670-4113-8A43-897FBCF42E9F}" type="presOf" srcId="{CFE62A0D-AFCB-42FF-A2F7-4127DE6E4A06}" destId="{8999D690-D432-4F1A-B2AE-D98A61E6F24A}" srcOrd="0" destOrd="0" presId="urn:microsoft.com/office/officeart/2005/8/layout/radial5"/>
     <dgm:cxn modelId="{F98C9256-0E52-4294-AA5B-17A525F41415}" type="presOf" srcId="{813DB034-1CFA-4CE1-8536-6BC256192226}" destId="{60779230-642B-46DB-B5CA-FC2220C38859}" srcOrd="0" destOrd="0" presId="urn:microsoft.com/office/officeart/2005/8/layout/radial5"/>
-    <dgm:cxn modelId="{41966F54-3C25-450E-8104-04B2B9165959}" srcId="{D3864EA6-13E7-440F-948B-8118F5878A44}" destId="{813DB034-1CFA-4CE1-8536-6BC256192226}" srcOrd="0" destOrd="0" parTransId="{ED3CCD02-8D75-4A08-AD85-C5F828B29313}" sibTransId="{F3516F2D-4619-4753-A81E-130803DFBFC7}"/>
-    <dgm:cxn modelId="{7598B8A9-9332-4A2B-B5D9-CF010EBBDF46}" type="presOf" srcId="{8F21B166-5620-46A8-A5DD-72EAE361E61D}" destId="{8C992717-B056-4E89-850B-547F00D86B47}" srcOrd="1" destOrd="0" presId="urn:microsoft.com/office/officeart/2005/8/layout/radial5"/>
+    <dgm:cxn modelId="{F67B8136-3A2B-408C-9570-C50B3786C6D1}" srcId="{D3864EA6-13E7-440F-948B-8118F5878A44}" destId="{9A038BAD-1DAA-4E08-AF5C-7A535C3A31A3}" srcOrd="3" destOrd="0" parTransId="{E1D6882F-7F41-4B9B-8326-079D0B7775D3}" sibTransId="{BF904E21-59DA-42DB-BE7C-359EAF11BFDB}"/>
     <dgm:cxn modelId="{D74F0E62-DE98-4010-8B2E-1EAAA9E56350}" type="presOf" srcId="{14E5A95F-9DC9-4E33-B709-14C57323ACAA}" destId="{0B5562C5-56E9-4F94-AD9A-09B6AA6E206F}" srcOrd="0" destOrd="0" presId="urn:microsoft.com/office/officeart/2005/8/layout/radial5"/>
-    <dgm:cxn modelId="{5EBF790F-CC7C-4BBA-98A7-614FB5283795}" srcId="{D3864EA6-13E7-440F-948B-8118F5878A44}" destId="{6461E40C-FAF1-4C11-9CA4-01B7756558A8}" srcOrd="1" destOrd="0" parTransId="{5418FCE5-0AC2-479F-8F47-D35F7A60BD8D}" sibTransId="{3D67A8BA-4FB2-401F-A3C1-92132B645061}"/>
-    <dgm:cxn modelId="{7834DFDC-DD97-4D0F-B547-27AB53428B4B}" srcId="{19675BB5-4BE3-4E06-B2B3-AAA3D107C1A8}" destId="{D3864EA6-13E7-440F-948B-8118F5878A44}" srcOrd="0" destOrd="0" parTransId="{5F920266-1B6A-4D7D-8C8B-D20E2934BF67}" sibTransId="{F4FE127A-F33D-4F59-961D-A505D5A781EE}"/>
-    <dgm:cxn modelId="{7EB75183-B20B-4EE8-AF71-83BA84E1BE0D}" type="presOf" srcId="{8F21B166-5620-46A8-A5DD-72EAE361E61D}" destId="{470BEB95-5498-4076-A7AD-52EA2D6058A0}" srcOrd="0" destOrd="0" presId="urn:microsoft.com/office/officeart/2005/8/layout/radial5"/>
-    <dgm:cxn modelId="{F383A1C8-295E-4F6E-9C5D-67AA4DB4F7EB}" type="presOf" srcId="{ED3CCD02-8D75-4A08-AD85-C5F828B29313}" destId="{79A2186A-8429-4E95-A4D2-214813090081}" srcOrd="1" destOrd="0" presId="urn:microsoft.com/office/officeart/2005/8/layout/radial5"/>
-    <dgm:cxn modelId="{4D341991-5DB3-4739-89C1-0B6A24A114E8}" type="presOf" srcId="{5418FCE5-0AC2-479F-8F47-D35F7A60BD8D}" destId="{4873F644-A37B-4263-BDD3-7D4AECF93436}" srcOrd="0" destOrd="0" presId="urn:microsoft.com/office/officeart/2005/8/layout/radial5"/>
-    <dgm:cxn modelId="{67029EA3-AC4E-48C5-87CF-57A4733799CA}" type="presOf" srcId="{E1D6882F-7F41-4B9B-8326-079D0B7775D3}" destId="{D9C29361-9907-4AA5-9D4C-465D8E4516DA}" srcOrd="1" destOrd="0" presId="urn:microsoft.com/office/officeart/2005/8/layout/radial5"/>
-    <dgm:cxn modelId="{B78770BC-227B-404F-8185-2F70ECA32605}" srcId="{D3864EA6-13E7-440F-948B-8118F5878A44}" destId="{14E5A95F-9DC9-4E33-B709-14C57323ACAA}" srcOrd="2" destOrd="0" parTransId="{CFE62A0D-AFCB-42FF-A2F7-4127DE6E4A06}" sibTransId="{87455A86-154D-4572-BF6D-F5FEBED08194}"/>
-    <dgm:cxn modelId="{33CA9426-6028-4F9E-ADDB-AA3042A81F7D}" type="presOf" srcId="{6461E40C-FAF1-4C11-9CA4-01B7756558A8}" destId="{8FE55D76-69B8-469D-BE4A-A0F9F69D5110}" srcOrd="0" destOrd="0" presId="urn:microsoft.com/office/officeart/2005/8/layout/radial5"/>
-    <dgm:cxn modelId="{459BE59C-8527-4040-AA6D-E00460E9E8BD}" type="presOf" srcId="{D3864EA6-13E7-440F-948B-8118F5878A44}" destId="{7ADCFBEC-172E-41BB-B545-FE2085E0B744}" srcOrd="0" destOrd="0" presId="urn:microsoft.com/office/officeart/2005/8/layout/radial5"/>
-    <dgm:cxn modelId="{F20E6E35-2EF6-49E1-BCE2-AF737813AC7F}" srcId="{D3864EA6-13E7-440F-948B-8118F5878A44}" destId="{C2B16F5E-4FD9-4E6C-984C-5FB34252F788}" srcOrd="4" destOrd="0" parTransId="{8F21B166-5620-46A8-A5DD-72EAE361E61D}" sibTransId="{D972BA52-9B06-4D48-9819-200C1326EA4D}"/>
-    <dgm:cxn modelId="{F67B8136-3A2B-408C-9570-C50B3786C6D1}" srcId="{D3864EA6-13E7-440F-948B-8118F5878A44}" destId="{9A038BAD-1DAA-4E08-AF5C-7A535C3A31A3}" srcOrd="3" destOrd="0" parTransId="{E1D6882F-7F41-4B9B-8326-079D0B7775D3}" sibTransId="{BF904E21-59DA-42DB-BE7C-359EAF11BFDB}"/>
-    <dgm:cxn modelId="{33010AF7-9670-4113-8A43-897FBCF42E9F}" type="presOf" srcId="{CFE62A0D-AFCB-42FF-A2F7-4127DE6E4A06}" destId="{8999D690-D432-4F1A-B2AE-D98A61E6F24A}" srcOrd="0" destOrd="0" presId="urn:microsoft.com/office/officeart/2005/8/layout/radial5"/>
-    <dgm:cxn modelId="{9D61B47E-7F41-4639-962A-9097B26F323C}" type="presOf" srcId="{5418FCE5-0AC2-479F-8F47-D35F7A60BD8D}" destId="{AF2E0478-D773-4966-9A95-8E70AD7139B7}" srcOrd="1" destOrd="0" presId="urn:microsoft.com/office/officeart/2005/8/layout/radial5"/>
     <dgm:cxn modelId="{7A2CDD09-A224-4181-B0A8-F745690C8BD3}" type="presParOf" srcId="{EB09D521-9D02-4B4D-80CB-EB847731A63E}" destId="{7ADCFBEC-172E-41BB-B545-FE2085E0B744}" srcOrd="0" destOrd="0" presId="urn:microsoft.com/office/officeart/2005/8/layout/radial5"/>
     <dgm:cxn modelId="{7BB1E9F2-577C-4EDD-9E82-599DABB04466}" type="presParOf" srcId="{EB09D521-9D02-4B4D-80CB-EB847731A63E}" destId="{E09D1B4B-09AE-4B1F-A409-CE344F8F9185}" srcOrd="1" destOrd="0" presId="urn:microsoft.com/office/officeart/2005/8/layout/radial5"/>
     <dgm:cxn modelId="{E09E266F-8E22-44BE-8978-A502F4303C38}" type="presParOf" srcId="{E09D1B4B-09AE-4B1F-A409-CE344F8F9185}" destId="{79A2186A-8429-4E95-A4D2-214813090081}" srcOrd="0" destOrd="0" presId="urn:microsoft.com/office/officeart/2005/8/layout/radial5"/>
@@ -1418,14 +1426,14 @@
   <dgm:whole/>
   <dgm:extLst>
     <a:ext uri="http://schemas.microsoft.com/office/drawing/2008/diagram">
-      <dsp:dataModelExt xmlns:dsp="http://schemas.microsoft.com/office/drawing/2008/diagram" xmlns="" relId="rId10" minVer="http://schemas.openxmlformats.org/drawingml/2006/diagram"/>
+      <dsp:dataModelExt xmlns:dsp="http://schemas.microsoft.com/office/drawing/2008/diagram" relId="rId10" minVer="http://schemas.openxmlformats.org/drawingml/2006/diagram"/>
     </a:ext>
   </dgm:extLst>
 </dgm:dataModel>
 </file>
 
 <file path=ppt/diagrams/drawing1.xml><?xml version="1.0" encoding="utf-8"?>
-<dsp:drawing xmlns:dgm="http://schemas.openxmlformats.org/drawingml/2006/diagram" xmlns:a="http://schemas.openxmlformats.org/drawingml/2006/main" xmlns:dsp="http://schemas.microsoft.com/office/drawing/2008/diagram">
+<dsp:drawing xmlns:dgm="http://schemas.openxmlformats.org/drawingml/2006/diagram" xmlns:dsp="http://schemas.microsoft.com/office/drawing/2008/diagram" xmlns:a="http://schemas.openxmlformats.org/drawingml/2006/main">
   <dsp:spTree>
     <dsp:nvGrpSpPr>
       <dsp:cNvPr id="0" name=""/>
@@ -1555,8 +1563,8 @@
         </a:p>
       </dsp:txBody>
       <dsp:txXfrm>
-        <a:off x="3337689" y="1658658"/>
-        <a:ext cx="1668520" cy="1668520"/>
+        <a:off x="3582038" y="1903007"/>
+        <a:ext cx="1179822" cy="1179822"/>
       </dsp:txXfrm>
     </dsp:sp>
     <dsp:sp modelId="{E09D1B4B-09AE-4B1F-A409-CE344F8F9185}">
@@ -1678,9 +1686,9 @@
           <a:endParaRPr lang="en-US" sz="1900" kern="1200"/>
         </a:p>
       </dsp:txBody>
-      <dsp:txXfrm rot="16179437">
-        <a:off x="4111457" y="1335520"/>
-        <a:ext cx="109803" cy="445347"/>
+      <dsp:txXfrm rot="10800000">
+        <a:off x="4128026" y="1441059"/>
+        <a:ext cx="76862" cy="267209"/>
       </dsp:txXfrm>
     </dsp:sp>
     <dsp:sp modelId="{60779230-642B-46DB-B5CA-FC2220C38859}">
@@ -1806,8 +1814,8 @@
         </a:p>
       </dsp:txBody>
       <dsp:txXfrm>
-        <a:off x="3390904" y="-88903"/>
-        <a:ext cx="1540417" cy="1540417"/>
+        <a:off x="3616493" y="136686"/>
+        <a:ext cx="1089239" cy="1089239"/>
       </dsp:txXfrm>
     </dsp:sp>
     <dsp:sp modelId="{4873F644-A37B-4263-BDD3-7D4AECF93436}">
@@ -1929,9 +1937,9 @@
           <a:endParaRPr lang="en-US" sz="1900" kern="1200"/>
         </a:p>
       </dsp:txBody>
-      <dsp:txXfrm rot="20508725">
-        <a:off x="5005956" y="1977808"/>
-        <a:ext cx="112156" cy="445347"/>
+      <dsp:txXfrm>
+        <a:off x="5006797" y="2072128"/>
+        <a:ext cx="78509" cy="267209"/>
       </dsp:txXfrm>
     </dsp:sp>
     <dsp:sp modelId="{8FE55D76-69B8-469D-BE4A-A0F9F69D5110}">
@@ -2055,14 +2063,22 @@
           </a:r>
           <a:r>
             <a:rPr lang="en-US" sz="1300" b="1" kern="1200" spc="-10" baseline="0" dirty="0" smtClean="0"/>
-            <a:t> Client, Speech and Gestures</a:t>
+            <a:t> </a:t>
+          </a:r>
+          <a:r>
+            <a:rPr lang="en-US" sz="1300" b="1" kern="1200" spc="-10" baseline="0" dirty="0" smtClean="0"/>
+            <a:t>Client, Speech </a:t>
+          </a:r>
+          <a:r>
+            <a:rPr lang="en-US" sz="1300" b="1" kern="1200" spc="-10" baseline="0" dirty="0" smtClean="0"/>
+            <a:t>and Gestures</a:t>
           </a:r>
           <a:endParaRPr lang="en-US" sz="1300" b="1" kern="1200" spc="-10" baseline="0" dirty="0"/>
         </a:p>
       </dsp:txBody>
       <dsp:txXfrm>
-        <a:off x="5127090" y="1155847"/>
-        <a:ext cx="1540417" cy="1540417"/>
+        <a:off x="5352679" y="1381436"/>
+        <a:ext cx="1089239" cy="1089239"/>
       </dsp:txXfrm>
     </dsp:sp>
     <dsp:sp modelId="{8999D690-D432-4F1A-B2AE-D98A61E6F24A}">
@@ -2184,9 +2200,9 @@
           <a:endParaRPr lang="en-US" sz="1900" kern="1200"/>
         </a:p>
       </dsp:txBody>
-      <dsp:txXfrm rot="3240000">
-        <a:off x="4666931" y="3035391"/>
-        <a:ext cx="121859" cy="445347"/>
+      <dsp:txXfrm>
+        <a:off x="4674466" y="3109672"/>
+        <a:ext cx="85301" cy="267209"/>
       </dsp:txXfrm>
     </dsp:sp>
     <dsp:sp modelId="{0B5562C5-56E9-4F94-AD9A-09B6AA6E206F}">
@@ -2312,8 +2328,8 @@
         </a:p>
       </dsp:txBody>
       <dsp:txXfrm>
-        <a:off x="4479969" y="3206764"/>
-        <a:ext cx="1540417" cy="1540417"/>
+        <a:off x="4705558" y="3432353"/>
+        <a:ext cx="1089239" cy="1089239"/>
       </dsp:txXfrm>
     </dsp:sp>
     <dsp:sp modelId="{FB0FDE60-5A66-47CD-855C-10B0ABFAFF6D}">
@@ -2435,9 +2451,9 @@
           <a:endParaRPr lang="en-US" sz="1900" kern="1200"/>
         </a:p>
       </dsp:txBody>
-      <dsp:txXfrm rot="7560000">
-        <a:off x="3555109" y="3035391"/>
-        <a:ext cx="121859" cy="445347"/>
+      <dsp:txXfrm rot="10800000">
+        <a:off x="3584132" y="3109672"/>
+        <a:ext cx="85301" cy="267209"/>
       </dsp:txXfrm>
     </dsp:sp>
     <dsp:sp modelId="{492A8904-4F29-41B2-8DF6-9E5DB43B598E}">
@@ -2563,8 +2579,8 @@
         </a:p>
       </dsp:txBody>
       <dsp:txXfrm>
-        <a:off x="2323512" y="3206764"/>
-        <a:ext cx="1540417" cy="1540417"/>
+        <a:off x="2549101" y="3432353"/>
+        <a:ext cx="1089239" cy="1089239"/>
       </dsp:txXfrm>
     </dsp:sp>
     <dsp:sp modelId="{470BEB95-5498-4076-A7AD-52EA2D6058A0}">
@@ -2686,9 +2702,9 @@
           <a:endParaRPr lang="en-US" sz="1900" kern="1200"/>
         </a:p>
       </dsp:txBody>
-      <dsp:txXfrm rot="11880000">
-        <a:off x="3211536" y="1977985"/>
-        <a:ext cx="121859" cy="445347"/>
+      <dsp:txXfrm rot="10800000">
+        <a:off x="3247199" y="2072703"/>
+        <a:ext cx="85301" cy="267209"/>
       </dsp:txXfrm>
     </dsp:sp>
     <dsp:sp modelId="{A0AE6ABD-EFF8-41C2-907C-790C07DF522C}">
@@ -2831,8 +2847,8 @@
         </a:p>
       </dsp:txBody>
       <dsp:txXfrm>
-        <a:off x="1657130" y="1155851"/>
-        <a:ext cx="1540417" cy="1540417"/>
+        <a:off x="1882719" y="1381440"/>
+        <a:ext cx="1089239" cy="1089239"/>
       </dsp:txXfrm>
     </dsp:sp>
   </dsp:spTree>
@@ -4221,7 +4237,7 @@
             <a:fld id="{724506C0-3FFE-45A5-803D-9F4FC5464A70}" type="datetimeFigureOut">
               <a:rPr lang="en-US" smtClean="0"/>
               <a:pPr/>
-              <a:t>4/23/2012</a:t>
+              <a:t>11/29/2011</a:t>
             </a:fld>
             <a:endParaRPr lang="en-US"/>
           </a:p>
@@ -4390,7 +4406,7 @@
     </p:spTree>
     <p:extLst>
       <p:ext uri="{BB962C8B-B14F-4D97-AF65-F5344CB8AC3E}">
-        <p14:creationId xmlns:p14="http://schemas.microsoft.com/office/powerpoint/2010/main" xmlns="" val="650118158"/>
+        <p14:creationId xmlns:p14="http://schemas.microsoft.com/office/powerpoint/2010/main" val="650118158"/>
       </p:ext>
     </p:extLst>
   </p:cSld>
@@ -5242,7 +5258,7 @@
             <a:fld id="{F922158D-428B-4987-8B28-745A2AFA1252}" type="datetimeFigureOut">
               <a:rPr lang="en-US" smtClean="0"/>
               <a:pPr/>
-              <a:t>4/23/2012</a:t>
+              <a:t>11/29/2011</a:t>
             </a:fld>
             <a:endParaRPr lang="en-US"/>
           </a:p>
@@ -5303,7 +5319,7 @@
           <a:blip r:embed="rId2" cstate="email">
             <a:extLst>
               <a:ext uri="{28A0092B-C50C-407E-A947-70E740481C1C}">
-                <a14:useLocalDpi xmlns:a14="http://schemas.microsoft.com/office/drawing/2010/main" xmlns=""/>
+                <a14:useLocalDpi xmlns:a14="http://schemas.microsoft.com/office/drawing/2010/main"/>
               </a:ext>
             </a:extLst>
           </a:blip>
@@ -5333,7 +5349,7 @@
           <a:blip r:embed="rId3" cstate="email">
             <a:extLst>
               <a:ext uri="{28A0092B-C50C-407E-A947-70E740481C1C}">
-                <a14:useLocalDpi xmlns:a14="http://schemas.microsoft.com/office/drawing/2010/main" xmlns=""/>
+                <a14:useLocalDpi xmlns:a14="http://schemas.microsoft.com/office/drawing/2010/main"/>
               </a:ext>
             </a:extLst>
           </a:blip>
@@ -5372,7 +5388,7 @@
           <a:blip r:embed="rId4" cstate="email">
             <a:extLst>
               <a:ext uri="{28A0092B-C50C-407E-A947-70E740481C1C}">
-                <a14:useLocalDpi xmlns:a14="http://schemas.microsoft.com/office/drawing/2010/main" xmlns=""/>
+                <a14:useLocalDpi xmlns:a14="http://schemas.microsoft.com/office/drawing/2010/main"/>
               </a:ext>
             </a:extLst>
           </a:blip>
@@ -5411,7 +5427,7 @@
           <a:blip r:embed="rId5" cstate="email">
             <a:extLst>
               <a:ext uri="{28A0092B-C50C-407E-A947-70E740481C1C}">
-                <a14:useLocalDpi xmlns:a14="http://schemas.microsoft.com/office/drawing/2010/main" xmlns=""/>
+                <a14:useLocalDpi xmlns:a14="http://schemas.microsoft.com/office/drawing/2010/main"/>
               </a:ext>
             </a:extLst>
           </a:blip>
@@ -5972,7 +5988,7 @@
             <a:fld id="{F922158D-428B-4987-8B28-745A2AFA1252}" type="datetimeFigureOut">
               <a:rPr lang="en-US" smtClean="0"/>
               <a:pPr/>
-              <a:t>4/23/2012</a:t>
+              <a:t>11/29/2011</a:t>
             </a:fld>
             <a:endParaRPr lang="en-US"/>
           </a:p>
@@ -6159,7 +6175,7 @@
             <a:fld id="{F922158D-428B-4987-8B28-745A2AFA1252}" type="datetimeFigureOut">
               <a:rPr lang="en-US" smtClean="0"/>
               <a:pPr/>
-              <a:t>4/23/2012</a:t>
+              <a:t>11/29/2011</a:t>
             </a:fld>
             <a:endParaRPr lang="en-US"/>
           </a:p>
@@ -6336,7 +6352,7 @@
             <a:fld id="{F922158D-428B-4987-8B28-745A2AFA1252}" type="datetimeFigureOut">
               <a:rPr lang="en-US" smtClean="0"/>
               <a:pPr/>
-              <a:t>4/23/2012</a:t>
+              <a:t>11/29/2011</a:t>
             </a:fld>
             <a:endParaRPr lang="en-US"/>
           </a:p>
@@ -6590,7 +6606,7 @@
             <a:fld id="{F922158D-428B-4987-8B28-745A2AFA1252}" type="datetimeFigureOut">
               <a:rPr lang="en-US" smtClean="0"/>
               <a:pPr/>
-              <a:t>4/23/2012</a:t>
+              <a:t>11/29/2011</a:t>
             </a:fld>
             <a:endParaRPr lang="en-US"/>
           </a:p>
@@ -6674,7 +6690,7 @@
           <a:blip r:embed="rId3" cstate="email">
             <a:extLst>
               <a:ext uri="{28A0092B-C50C-407E-A947-70E740481C1C}">
-                <a14:useLocalDpi xmlns:a14="http://schemas.microsoft.com/office/drawing/2010/main" xmlns=""/>
+                <a14:useLocalDpi xmlns:a14="http://schemas.microsoft.com/office/drawing/2010/main"/>
               </a:ext>
             </a:extLst>
           </a:blip>
@@ -7120,7 +7136,7 @@
             <a:fld id="{F922158D-428B-4987-8B28-745A2AFA1252}" type="datetimeFigureOut">
               <a:rPr lang="en-US" smtClean="0"/>
               <a:pPr/>
-              <a:t>4/23/2012</a:t>
+              <a:t>11/29/2011</a:t>
             </a:fld>
             <a:endParaRPr lang="en-US"/>
           </a:p>
@@ -7510,7 +7526,7 @@
             <a:fld id="{F922158D-428B-4987-8B28-745A2AFA1252}" type="datetimeFigureOut">
               <a:rPr lang="en-US" smtClean="0"/>
               <a:pPr/>
-              <a:t>4/23/2012</a:t>
+              <a:t>11/29/2011</a:t>
             </a:fld>
             <a:endParaRPr lang="en-US"/>
           </a:p>
@@ -7672,7 +7688,7 @@
             <a:fld id="{F922158D-428B-4987-8B28-745A2AFA1252}" type="datetimeFigureOut">
               <a:rPr lang="en-US" smtClean="0"/>
               <a:pPr/>
-              <a:t>4/23/2012</a:t>
+              <a:t>11/29/2011</a:t>
             </a:fld>
             <a:endParaRPr lang="en-US"/>
           </a:p>
@@ -7774,7 +7790,7 @@
             <a:fld id="{F922158D-428B-4987-8B28-745A2AFA1252}" type="datetimeFigureOut">
               <a:rPr lang="en-US" smtClean="0"/>
               <a:pPr/>
-              <a:t>4/23/2012</a:t>
+              <a:t>11/29/2011</a:t>
             </a:fld>
             <a:endParaRPr lang="en-US"/>
           </a:p>
@@ -8047,7 +8063,7 @@
             <a:fld id="{F922158D-428B-4987-8B28-745A2AFA1252}" type="datetimeFigureOut">
               <a:rPr lang="en-US" smtClean="0"/>
               <a:pPr/>
-              <a:t>4/23/2012</a:t>
+              <a:t>11/29/2011</a:t>
             </a:fld>
             <a:endParaRPr lang="en-US"/>
           </a:p>
@@ -8347,7 +8363,7 @@
             <a:fld id="{F922158D-428B-4987-8B28-745A2AFA1252}" type="datetimeFigureOut">
               <a:rPr lang="en-US" smtClean="0"/>
               <a:pPr/>
-              <a:t>4/23/2012</a:t>
+              <a:t>11/29/2011</a:t>
             </a:fld>
             <a:endParaRPr lang="en-US"/>
           </a:p>
@@ -9130,7 +9146,7 @@
             <a:fld id="{F922158D-428B-4987-8B28-745A2AFA1252}" type="datetimeFigureOut">
               <a:rPr lang="en-US" smtClean="0"/>
               <a:pPr/>
-              <a:t>4/23/2012</a:t>
+              <a:t>11/29/2011</a:t>
             </a:fld>
             <a:endParaRPr lang="en-US"/>
           </a:p>
@@ -10007,7 +10023,7 @@
           <a:blip r:embed="rId2" cstate="email">
             <a:extLst>
               <a:ext uri="{28A0092B-C50C-407E-A947-70E740481C1C}">
-                <a14:useLocalDpi xmlns:a14="http://schemas.microsoft.com/office/drawing/2010/main" xmlns="" val="0"/>
+                <a14:useLocalDpi xmlns:a14="http://schemas.microsoft.com/office/drawing/2010/main" val="0"/>
               </a:ext>
             </a:extLst>
           </a:blip>
@@ -10034,7 +10050,7 @@
           <a:blip r:embed="rId3" cstate="email">
             <a:extLst>
               <a:ext uri="{28A0092B-C50C-407E-A947-70E740481C1C}">
-                <a14:useLocalDpi xmlns:a14="http://schemas.microsoft.com/office/drawing/2010/main" xmlns="" val="0"/>
+                <a14:useLocalDpi xmlns:a14="http://schemas.microsoft.com/office/drawing/2010/main" val="0"/>
               </a:ext>
             </a:extLst>
           </a:blip>
@@ -10058,14 +10074,14 @@
           <a:effectLst/>
           <a:extLst>
             <a:ext uri="{909E8E84-426E-40DD-AFC4-6F175D3DCCD1}">
-              <a14:hiddenFill xmlns:a14="http://schemas.microsoft.com/office/drawing/2010/main" xmlns="">
+              <a14:hiddenFill xmlns:a14="http://schemas.microsoft.com/office/drawing/2010/main">
                 <a:solidFill>
                   <a:schemeClr val="accent1"/>
                 </a:solidFill>
               </a14:hiddenFill>
             </a:ext>
             <a:ext uri="{91240B29-F687-4F45-9708-019B960494DF}">
-              <a14:hiddenLine xmlns:a14="http://schemas.microsoft.com/office/drawing/2010/main" xmlns="" w="9525">
+              <a14:hiddenLine xmlns:a14="http://schemas.microsoft.com/office/drawing/2010/main" w="9525">
                 <a:solidFill>
                   <a:schemeClr val="tx1"/>
                 </a:solidFill>
@@ -10075,7 +10091,7 @@
               </a14:hiddenLine>
             </a:ext>
             <a:ext uri="{AF507438-7753-43E0-B8FC-AC1667EBCBE1}">
-              <a14:hiddenEffects xmlns:a14="http://schemas.microsoft.com/office/drawing/2010/main" xmlns="">
+              <a14:hiddenEffects xmlns:a14="http://schemas.microsoft.com/office/drawing/2010/main">
                 <a:effectLst>
                   <a:outerShdw dist="35921" dir="2700000" algn="ctr" rotWithShape="0">
                     <a:schemeClr val="bg2"/>
@@ -10089,7 +10105,7 @@
     </p:spTree>
     <p:extLst>
       <p:ext uri="{BB962C8B-B14F-4D97-AF65-F5344CB8AC3E}">
-        <p14:creationId xmlns:p14="http://schemas.microsoft.com/office/powerpoint/2010/main" xmlns="" val="665117354"/>
+        <p14:creationId xmlns:p14="http://schemas.microsoft.com/office/powerpoint/2010/main" val="665117354"/>
       </p:ext>
     </p:extLst>
   </p:cSld>
@@ -10182,7 +10198,7 @@
     </p:spTree>
     <p:extLst>
       <p:ext uri="{BB962C8B-B14F-4D97-AF65-F5344CB8AC3E}">
-        <p14:creationId xmlns:p14="http://schemas.microsoft.com/office/powerpoint/2010/main" xmlns="" val="93215671"/>
+        <p14:creationId xmlns:p14="http://schemas.microsoft.com/office/powerpoint/2010/main" val="93215671"/>
       </p:ext>
     </p:extLst>
   </p:cSld>
@@ -10246,7 +10262,7 @@
     </p:spTree>
     <p:extLst>
       <p:ext uri="{BB962C8B-B14F-4D97-AF65-F5344CB8AC3E}">
-        <p14:creationId xmlns:p14="http://schemas.microsoft.com/office/powerpoint/2010/main" xmlns="" val="1933149179"/>
+        <p14:creationId xmlns:p14="http://schemas.microsoft.com/office/powerpoint/2010/main" val="1933149179"/>
       </p:ext>
     </p:extLst>
   </p:cSld>
@@ -10371,7 +10387,11 @@
             </a:r>
             <a:r>
               <a:rPr lang="en-US" dirty="0" smtClean="0"/>
-              <a:t> games for virtual world environment</a:t>
+              <a:t> games </a:t>
+            </a:r>
+            <a:r>
+              <a:rPr lang="en-US" dirty="0" smtClean="0"/>
+              <a:t>for virtual world environment</a:t>
             </a:r>
           </a:p>
           <a:p>
@@ -10391,8 +10411,13 @@
             </a:pPr>
             <a:r>
               <a:rPr lang="en-US" dirty="0" smtClean="0"/>
-              <a:t>Games playing to the strengths of Second Life, existing objects/methods and independent of client</a:t>
-            </a:r>
+              <a:t>Games playing to the strengths of Second </a:t>
+            </a:r>
+            <a:r>
+              <a:rPr lang="en-US" dirty="0" smtClean="0"/>
+              <a:t>Life, existing objects/methods and independent of client</a:t>
+            </a:r>
+            <a:endParaRPr lang="en-US" dirty="0" smtClean="0"/>
           </a:p>
           <a:p>
             <a:pPr marL="0" indent="0">
@@ -10405,7 +10430,7 @@
     </p:spTree>
     <p:extLst>
       <p:ext uri="{BB962C8B-B14F-4D97-AF65-F5344CB8AC3E}">
-        <p14:creationId xmlns:p14="http://schemas.microsoft.com/office/powerpoint/2010/main" xmlns="" val="3818610722"/>
+        <p14:creationId xmlns:p14="http://schemas.microsoft.com/office/powerpoint/2010/main" val="3818610722"/>
       </p:ext>
     </p:extLst>
   </p:cSld>
@@ -10496,20 +10521,34 @@
           <a:p>
             <a:r>
               <a:rPr lang="en-US" sz="2800" dirty="0" smtClean="0"/>
-              <a:t>Kinect enabled games in a open world simulated environment. </a:t>
-            </a:r>
-          </a:p>
-          <a:p>
+              <a:t>Kinect enabled games in a open world simulated environment</a:t>
+            </a:r>
             <a:r>
               <a:rPr lang="en-US" sz="2800" dirty="0" smtClean="0"/>
-              <a:t>Develop a game where the goal is to model a real world item using Kinect detected  gestures/speech.</a:t>
-            </a:r>
+              <a:t>. </a:t>
+            </a:r>
+          </a:p>
+          <a:p>
+            <a:r>
+              <a:rPr lang="en-US" sz="2800" dirty="0" smtClean="0"/>
+              <a:t>Develop </a:t>
+            </a:r>
+            <a:r>
+              <a:rPr lang="en-US" sz="2800" dirty="0" smtClean="0"/>
+              <a:t>a game where the goal is to model a real world item using Kinect detected  </a:t>
+            </a:r>
+            <a:r>
+              <a:rPr lang="en-US" sz="2800" dirty="0" smtClean="0"/>
+              <a:t>gestures/speech.</a:t>
+            </a:r>
+            <a:endParaRPr lang="en-US" sz="2800" dirty="0" smtClean="0"/>
           </a:p>
           <a:p>
             <a:r>
               <a:rPr lang="en-US" sz="2800" dirty="0" smtClean="0"/>
               <a:t>Develop a 3D version of AngryBirds using SL as the game engine and Kinect as the control. </a:t>
             </a:r>
+            <a:endParaRPr lang="en-US" sz="2800" dirty="0" smtClean="0"/>
           </a:p>
           <a:p>
             <a:r>
@@ -10536,7 +10575,7 @@
           <a:blip r:embed="rId4" cstate="email">
             <a:extLst>
               <a:ext uri="{28A0092B-C50C-407E-A947-70E740481C1C}">
-                <a14:useLocalDpi xmlns:a14="http://schemas.microsoft.com/office/drawing/2010/main" xmlns="" val="0"/>
+                <a14:useLocalDpi xmlns:a14="http://schemas.microsoft.com/office/drawing/2010/main" val="0"/>
               </a:ext>
             </a:extLst>
           </a:blip>
@@ -10556,7 +10595,7 @@
           <a:noFill/>
           <a:extLst>
             <a:ext uri="{909E8E84-426E-40DD-AFC4-6F175D3DCCD1}">
-              <a14:hiddenFill xmlns:a14="http://schemas.microsoft.com/office/drawing/2010/main" xmlns="">
+              <a14:hiddenFill xmlns:a14="http://schemas.microsoft.com/office/drawing/2010/main">
                 <a:solidFill>
                   <a:srgbClr val="FFFFFF"/>
                 </a:solidFill>
@@ -10649,7 +10688,7 @@
             </p:custDataLst>
             <p:extLst>
               <p:ext uri="{D42A27DB-BD31-4B8C-83A1-F6EECF244321}">
-                <p14:modId xmlns:p14="http://schemas.microsoft.com/office/powerpoint/2010/main" xmlns="" val="712544266"/>
+                <p14:modId xmlns:p14="http://schemas.microsoft.com/office/powerpoint/2010/main" val="712544266"/>
               </p:ext>
             </p:extLst>
           </p:nvPr>
@@ -10940,7 +10979,11 @@
             </a:pPr>
             <a:r>
               <a:rPr lang="en-US" dirty="0" smtClean="0"/>
-              <a:t>Communication between Kinect and Second Life</a:t>
+              <a:t>Communication between Kinect and Second </a:t>
+            </a:r>
+            <a:r>
+              <a:rPr lang="en-US" dirty="0" smtClean="0"/>
+              <a:t>Life</a:t>
             </a:r>
             <a:endParaRPr lang="en-US" dirty="0"/>
           </a:p>
@@ -10952,7 +10995,11 @@
             </a:pPr>
             <a:r>
               <a:rPr lang="en-US" dirty="0" smtClean="0"/>
-              <a:t>Rudimentary gesture events written with corresponding actions in Second Life</a:t>
+              <a:t>Rudimentary gesture events written with corresponding actions in Second </a:t>
+            </a:r>
+            <a:r>
+              <a:rPr lang="en-US" dirty="0" smtClean="0"/>
+              <a:t>Life</a:t>
             </a:r>
           </a:p>
           <a:p>
@@ -10987,8 +11034,17 @@
             </a:pPr>
             <a:r>
               <a:rPr lang="en-US" dirty="0" smtClean="0"/>
-              <a:t>Need to develop the game “Maps” </a:t>
-            </a:r>
+              <a:t>Need to develop the game </a:t>
+            </a:r>
+            <a:r>
+              <a:rPr lang="en-US" dirty="0" smtClean="0"/>
+              <a:t>“Maps”</a:t>
+            </a:r>
+            <a:r>
+              <a:rPr lang="en-US" dirty="0" smtClean="0"/>
+              <a:t> </a:t>
+            </a:r>
+            <a:endParaRPr lang="en-US" dirty="0" smtClean="0"/>
           </a:p>
           <a:p>
             <a:pPr lvl="1">
@@ -11000,6 +11056,7 @@
               <a:rPr lang="en-US" dirty="0" smtClean="0"/>
               <a:t>Need to develop complex gestures </a:t>
             </a:r>
+            <a:endParaRPr lang="en-US" dirty="0" smtClean="0"/>
           </a:p>
           <a:p>
             <a:pPr lvl="1">
@@ -11117,7 +11174,7 @@
         </p:spPr>
         <p:txBody>
           <a:bodyPr>
-            <a:normAutofit fontScale="92500" lnSpcReduction="20000"/>
+            <a:normAutofit/>
           </a:bodyPr>
           <a:lstStyle/>
           <a:p>
@@ -11149,13 +11206,8 @@
             </a:r>
             <a:r>
               <a:rPr lang="en-US" dirty="0" smtClean="0"/>
-              <a:t>., </a:t>
-            </a:r>
-            <a:r>
-              <a:rPr lang="en-US" smtClean="0"/>
-              <a:t>Map Design </a:t>
-            </a:r>
-            <a:endParaRPr lang="en-US" dirty="0" smtClean="0"/>
+              <a:t>. </a:t>
+            </a:r>
           </a:p>
           <a:p>
             <a:pPr>
@@ -11183,9 +11235,8 @@
             </a:pPr>
             <a:r>
               <a:rPr lang="en-US" dirty="0" smtClean="0"/>
-              <a:t>HUD Design, Projectile and Cannon</a:t>
-            </a:r>
-            <a:endParaRPr lang="en-US" dirty="0" smtClean="0"/>
+              <a:t>Game Implementation</a:t>
+            </a:r>
           </a:p>
           <a:p>
             <a:pPr>
@@ -11243,7 +11294,7 @@
           <a:blip r:embed="rId5" cstate="print">
             <a:extLst>
               <a:ext uri="{28A0092B-C50C-407E-A947-70E740481C1C}">
-                <a14:useLocalDpi xmlns:a14="http://schemas.microsoft.com/office/drawing/2010/main" xmlns="" val="0"/>
+                <a14:useLocalDpi xmlns:a14="http://schemas.microsoft.com/office/drawing/2010/main" val="0"/>
               </a:ext>
             </a:extLst>
           </a:blip>
@@ -11263,7 +11314,7 @@
           <a:noFill/>
           <a:extLst>
             <a:ext uri="{909E8E84-426E-40DD-AFC4-6F175D3DCCD1}">
-              <a14:hiddenFill xmlns:a14="http://schemas.microsoft.com/office/drawing/2010/main" xmlns="">
+              <a14:hiddenFill xmlns:a14="http://schemas.microsoft.com/office/drawing/2010/main">
                 <a:solidFill>
                   <a:srgbClr val="FFFFFF"/>
                 </a:solidFill>
